--- a/docs/lessons/1.3-mth391-cloud-computing/r-studio-working-directory.pptx
+++ b/docs/lessons/1.3-mth391-cloud-computing/r-studio-working-directory.pptx
@@ -243,7 +243,7 @@
           <a:p>
             <a:fld id="{4AEAE896-FE0A-44A7-8C3D-0612BC5F150D}" type="datetimeFigureOut">
               <a:rPr lang="en-US" smtClean="0"/>
-              <a:t>1/17/2025</a:t>
+              <a:t>1/20/2025</a:t>
             </a:fld>
             <a:endParaRPr lang="en-US"/>
           </a:p>
@@ -413,7 +413,7 @@
           <a:p>
             <a:fld id="{4AEAE896-FE0A-44A7-8C3D-0612BC5F150D}" type="datetimeFigureOut">
               <a:rPr lang="en-US" smtClean="0"/>
-              <a:t>1/17/2025</a:t>
+              <a:t>1/20/2025</a:t>
             </a:fld>
             <a:endParaRPr lang="en-US"/>
           </a:p>
@@ -593,7 +593,7 @@
           <a:p>
             <a:fld id="{4AEAE896-FE0A-44A7-8C3D-0612BC5F150D}" type="datetimeFigureOut">
               <a:rPr lang="en-US" smtClean="0"/>
-              <a:t>1/17/2025</a:t>
+              <a:t>1/20/2025</a:t>
             </a:fld>
             <a:endParaRPr lang="en-US"/>
           </a:p>
@@ -763,7 +763,7 @@
           <a:p>
             <a:fld id="{4AEAE896-FE0A-44A7-8C3D-0612BC5F150D}" type="datetimeFigureOut">
               <a:rPr lang="en-US" smtClean="0"/>
-              <a:t>1/17/2025</a:t>
+              <a:t>1/20/2025</a:t>
             </a:fld>
             <a:endParaRPr lang="en-US"/>
           </a:p>
@@ -1009,7 +1009,7 @@
           <a:p>
             <a:fld id="{4AEAE896-FE0A-44A7-8C3D-0612BC5F150D}" type="datetimeFigureOut">
               <a:rPr lang="en-US" smtClean="0"/>
-              <a:t>1/17/2025</a:t>
+              <a:t>1/20/2025</a:t>
             </a:fld>
             <a:endParaRPr lang="en-US"/>
           </a:p>
@@ -1241,7 +1241,7 @@
           <a:p>
             <a:fld id="{4AEAE896-FE0A-44A7-8C3D-0612BC5F150D}" type="datetimeFigureOut">
               <a:rPr lang="en-US" smtClean="0"/>
-              <a:t>1/17/2025</a:t>
+              <a:t>1/20/2025</a:t>
             </a:fld>
             <a:endParaRPr lang="en-US"/>
           </a:p>
@@ -1608,7 +1608,7 @@
           <a:p>
             <a:fld id="{4AEAE896-FE0A-44A7-8C3D-0612BC5F150D}" type="datetimeFigureOut">
               <a:rPr lang="en-US" smtClean="0"/>
-              <a:t>1/17/2025</a:t>
+              <a:t>1/20/2025</a:t>
             </a:fld>
             <a:endParaRPr lang="en-US"/>
           </a:p>
@@ -1726,7 +1726,7 @@
           <a:p>
             <a:fld id="{4AEAE896-FE0A-44A7-8C3D-0612BC5F150D}" type="datetimeFigureOut">
               <a:rPr lang="en-US" smtClean="0"/>
-              <a:t>1/17/2025</a:t>
+              <a:t>1/20/2025</a:t>
             </a:fld>
             <a:endParaRPr lang="en-US"/>
           </a:p>
@@ -1821,7 +1821,7 @@
           <a:p>
             <a:fld id="{4AEAE896-FE0A-44A7-8C3D-0612BC5F150D}" type="datetimeFigureOut">
               <a:rPr lang="en-US" smtClean="0"/>
-              <a:t>1/17/2025</a:t>
+              <a:t>1/20/2025</a:t>
             </a:fld>
             <a:endParaRPr lang="en-US"/>
           </a:p>
@@ -2098,7 +2098,7 @@
           <a:p>
             <a:fld id="{4AEAE896-FE0A-44A7-8C3D-0612BC5F150D}" type="datetimeFigureOut">
               <a:rPr lang="en-US" smtClean="0"/>
-              <a:t>1/17/2025</a:t>
+              <a:t>1/20/2025</a:t>
             </a:fld>
             <a:endParaRPr lang="en-US"/>
           </a:p>
@@ -2355,7 +2355,7 @@
           <a:p>
             <a:fld id="{4AEAE896-FE0A-44A7-8C3D-0612BC5F150D}" type="datetimeFigureOut">
               <a:rPr lang="en-US" smtClean="0"/>
-              <a:t>1/17/2025</a:t>
+              <a:t>1/20/2025</a:t>
             </a:fld>
             <a:endParaRPr lang="en-US"/>
           </a:p>
@@ -2568,7 +2568,7 @@
           <a:p>
             <a:fld id="{4AEAE896-FE0A-44A7-8C3D-0612BC5F150D}" type="datetimeFigureOut">
               <a:rPr lang="en-US" smtClean="0"/>
-              <a:t>1/17/2025</a:t>
+              <a:t>1/20/2025</a:t>
             </a:fld>
             <a:endParaRPr lang="en-US"/>
           </a:p>
@@ -3023,7 +3023,7 @@
         </p:nvSpPr>
         <p:spPr>
           <a:xfrm>
-            <a:off x="630314" y="1038687"/>
+            <a:off x="639823" y="1028855"/>
             <a:ext cx="1473693" cy="195309"/>
           </a:xfrm>
           <a:prstGeom prst="rect">
@@ -3073,8 +3073,8 @@
         </p:nvSpPr>
         <p:spPr>
           <a:xfrm>
-            <a:off x="131660" y="5704855"/>
-            <a:ext cx="2471000" cy="830997"/>
+            <a:off x="6990" y="5704855"/>
+            <a:ext cx="2739359" cy="830997"/>
           </a:xfrm>
           <a:prstGeom prst="rect">
             <a:avLst/>
@@ -3115,9 +3115,9 @@
           <p:nvPr/>
         </p:nvCxnSpPr>
         <p:spPr>
-          <a:xfrm flipH="1">
-            <a:off x="1367160" y="1233996"/>
-            <a:ext cx="1" cy="4470859"/>
+          <a:xfrm>
+            <a:off x="1376670" y="1224164"/>
+            <a:ext cx="0" cy="4480691"/>
           </a:xfrm>
           <a:prstGeom prst="straightConnector1">
             <a:avLst/>
@@ -3126,7 +3126,8 @@
             <a:solidFill>
               <a:srgbClr val="C00000"/>
             </a:solidFill>
-            <a:tailEnd type="triangle"/>
+            <a:headEnd type="triangle" w="med" len="med"/>
+            <a:tailEnd type="none" w="med" len="med"/>
           </a:ln>
         </p:spPr>
         <p:style>
@@ -3261,7 +3262,8 @@
             <a:solidFill>
               <a:srgbClr val="FFC000"/>
             </a:solidFill>
-            <a:tailEnd type="triangle"/>
+            <a:headEnd type="triangle" w="med" len="med"/>
+            <a:tailEnd type="none" w="med" len="med"/>
           </a:ln>
         </p:spPr>
         <p:style>
@@ -3396,7 +3398,8 @@
             <a:solidFill>
               <a:srgbClr val="00B050"/>
             </a:solidFill>
-            <a:tailEnd type="triangle"/>
+            <a:headEnd type="triangle" w="med" len="med"/>
+            <a:tailEnd type="none" w="med" len="med"/>
           </a:ln>
         </p:spPr>
         <p:style>
